--- a/DI-Mocking-UnitTesting.pptx
+++ b/DI-Mocking-UnitTesting.pptx
@@ -9,16 +9,18 @@
     <p:sldId id="257" r:id="rId3"/>
     <p:sldId id="271" r:id="rId4"/>
     <p:sldId id="261" r:id="rId5"/>
-    <p:sldId id="263" r:id="rId6"/>
-    <p:sldId id="272" r:id="rId7"/>
-    <p:sldId id="270" r:id="rId8"/>
-    <p:sldId id="266" r:id="rId9"/>
-    <p:sldId id="267" r:id="rId10"/>
-    <p:sldId id="262" r:id="rId11"/>
-    <p:sldId id="264" r:id="rId12"/>
-    <p:sldId id="258" r:id="rId13"/>
-    <p:sldId id="273" r:id="rId14"/>
-    <p:sldId id="269" r:id="rId15"/>
+    <p:sldId id="274" r:id="rId6"/>
+    <p:sldId id="263" r:id="rId7"/>
+    <p:sldId id="272" r:id="rId8"/>
+    <p:sldId id="270" r:id="rId9"/>
+    <p:sldId id="266" r:id="rId10"/>
+    <p:sldId id="267" r:id="rId11"/>
+    <p:sldId id="262" r:id="rId12"/>
+    <p:sldId id="264" r:id="rId13"/>
+    <p:sldId id="275" r:id="rId14"/>
+    <p:sldId id="258" r:id="rId15"/>
+    <p:sldId id="273" r:id="rId16"/>
+    <p:sldId id="269" r:id="rId17"/>
   </p:sldIdLst>
   <p:sldSz cx="12192000" cy="6858000"/>
   <p:notesSz cx="6858000" cy="9144000"/>
@@ -3079,7 +3081,7 @@
           <a:p>
             <a:r>
               <a:rPr lang="en-US" dirty="0"/>
-              <a:t>Closer Look at Unit and Integration Tests</a:t>
+              <a:t>Step 4: Isolate Dependencies in Unit Tests</a:t>
             </a:r>
           </a:p>
         </p:txBody>
@@ -3094,75 +3096,79 @@
             <p:ph idx="1"/>
           </p:nvPr>
         </p:nvSpPr>
-        <p:spPr/>
+        <p:spPr>
+          <a:xfrm>
+            <a:off x="6645897" y="1690688"/>
+            <a:ext cx="5145169" cy="1531391"/>
+          </a:xfrm>
+        </p:spPr>
         <p:txBody>
           <a:bodyPr>
-            <a:normAutofit/>
+            <a:normAutofit fontScale="55000" lnSpcReduction="20000"/>
           </a:bodyPr>
           <a:lstStyle/>
           <a:p>
-            <a:pPr marL="0" indent="0">
-              <a:buNone/>
-            </a:pPr>
-            <a:r>
-              <a:rPr lang="en-US" b="1" dirty="0"/>
-              <a:t>Unit Test</a:t>
-            </a:r>
-          </a:p>
-          <a:p>
-            <a:pPr marL="0" indent="0">
-              <a:buNone/>
-            </a:pPr>
-            <a:r>
-              <a:rPr lang="en-US" dirty="0"/>
-              <a:t>Has full control of the code under test and does not use real dependencies</a:t>
-            </a:r>
-          </a:p>
-          <a:p>
-            <a:pPr marL="0" indent="0">
-              <a:buNone/>
-            </a:pPr>
-            <a:endParaRPr lang="en-US" dirty="0"/>
-          </a:p>
-          <a:p>
-            <a:pPr marL="0" indent="0">
-              <a:buNone/>
-            </a:pPr>
-            <a:r>
-              <a:rPr lang="en-US" b="1" dirty="0"/>
-              <a:t>Integration Test</a:t>
-            </a:r>
-          </a:p>
-          <a:p>
-            <a:pPr marL="0" indent="0">
-              <a:buNone/>
-            </a:pPr>
-            <a:r>
-              <a:rPr lang="en-US" dirty="0"/>
-              <a:t>Does not have full control of the code under test and uses real dependencies </a:t>
-            </a:r>
-          </a:p>
-          <a:p>
-            <a:pPr marL="0" indent="0">
-              <a:buNone/>
-            </a:pPr>
-            <a:endParaRPr lang="en-US" dirty="0"/>
-          </a:p>
-          <a:p>
-            <a:pPr marL="0" indent="0">
-              <a:buNone/>
-            </a:pPr>
-            <a:r>
-              <a:rPr lang="en-US" dirty="0"/>
-              <a:t>Both are important, but must be independent.</a:t>
-            </a:r>
-          </a:p>
-        </p:txBody>
-      </p:sp>
+            <a:r>
+              <a:rPr lang="en-US" dirty="0"/>
+              <a:t>Unit Tests and Integration Test in separate projects</a:t>
+            </a:r>
+          </a:p>
+          <a:p>
+            <a:r>
+              <a:rPr lang="en-US" dirty="0"/>
+              <a:t>Use isolation framework like </a:t>
+            </a:r>
+            <a:r>
+              <a:rPr lang="en-US" dirty="0" err="1"/>
+              <a:t>Moq</a:t>
+            </a:r>
+            <a:r>
+              <a:rPr lang="en-US" dirty="0"/>
+              <a:t> and/or fakes</a:t>
+            </a:r>
+          </a:p>
+          <a:p>
+            <a:r>
+              <a:rPr lang="en-US" dirty="0"/>
+              <a:t>Unit Tests part of CI build to ensure unit tests are maintained</a:t>
+            </a:r>
+          </a:p>
+          <a:p>
+            <a:r>
+              <a:rPr lang="en-US" dirty="0"/>
+              <a:t>Integration Tests part of nightly build because they are still important</a:t>
+            </a:r>
+          </a:p>
+        </p:txBody>
+      </p:sp>
+      <p:pic>
+        <p:nvPicPr>
+          <p:cNvPr id="4" name="Picture 3"/>
+          <p:cNvPicPr>
+            <a:picLocks noChangeAspect="1"/>
+          </p:cNvPicPr>
+          <p:nvPr/>
+        </p:nvPicPr>
+        <p:blipFill>
+          <a:blip r:embed="rId2"/>
+          <a:stretch>
+            <a:fillRect/>
+          </a:stretch>
+        </p:blipFill>
+        <p:spPr>
+          <a:xfrm>
+            <a:off x="838200" y="1690688"/>
+            <a:ext cx="5705475" cy="3578185"/>
+          </a:xfrm>
+          <a:prstGeom prst="rect">
+            <a:avLst/>
+          </a:prstGeom>
+        </p:spPr>
+      </p:pic>
     </p:spTree>
     <p:extLst>
       <p:ext uri="{BB962C8B-B14F-4D97-AF65-F5344CB8AC3E}">
-        <p14:creationId xmlns:p14="http://schemas.microsoft.com/office/powerpoint/2010/main" val="2016868647"/>
+        <p14:creationId xmlns:p14="http://schemas.microsoft.com/office/powerpoint/2010/main" val="4261235759"/>
       </p:ext>
     </p:extLst>
   </p:cSld>
@@ -3206,7 +3212,7 @@
           <a:p>
             <a:r>
               <a:rPr lang="en-US" dirty="0"/>
-              <a:t>Good Unit Tests</a:t>
+              <a:t>Closer Look at Unit and Integration Tests</a:t>
             </a:r>
           </a:p>
         </p:txBody>
@@ -3228,51 +3234,60 @@
           </a:bodyPr>
           <a:lstStyle/>
           <a:p>
-            <a:r>
-              <a:rPr lang="en-US" dirty="0"/>
-              <a:t>Automated</a:t>
-            </a:r>
-          </a:p>
-          <a:p>
-            <a:r>
-              <a:rPr lang="en-US" dirty="0"/>
-              <a:t>Fast</a:t>
-            </a:r>
-          </a:p>
-          <a:p>
-            <a:r>
-              <a:rPr lang="en-US" dirty="0"/>
-              <a:t>Reliable and consistent</a:t>
-            </a:r>
-          </a:p>
-          <a:p>
-            <a:r>
-              <a:rPr lang="en-US" dirty="0"/>
-              <a:t>Have full control of unit under test</a:t>
-            </a:r>
-          </a:p>
-          <a:p>
-            <a:r>
-              <a:rPr lang="en-US" dirty="0"/>
-              <a:t>Run independently of other tests</a:t>
-            </a:r>
-          </a:p>
-          <a:p>
-            <a:r>
-              <a:rPr lang="en-US" dirty="0"/>
-              <a:t>Doesn’t change anything between runs</a:t>
-            </a:r>
-          </a:p>
-          <a:p>
-            <a:r>
-              <a:rPr lang="en-US" dirty="0"/>
-              <a:t>Run automatically when code is changed</a:t>
-            </a:r>
-          </a:p>
-          <a:p>
-            <a:r>
-              <a:rPr lang="en-US" dirty="0"/>
-              <a:t>Anyone on the team can run them</a:t>
+            <a:pPr marL="0" indent="0">
+              <a:buNone/>
+            </a:pPr>
+            <a:r>
+              <a:rPr lang="en-US" b="1" dirty="0"/>
+              <a:t>Unit Test</a:t>
+            </a:r>
+          </a:p>
+          <a:p>
+            <a:pPr marL="0" indent="0">
+              <a:buNone/>
+            </a:pPr>
+            <a:r>
+              <a:rPr lang="en-US" dirty="0"/>
+              <a:t>Has full control of the code under test and does not use real dependencies</a:t>
+            </a:r>
+          </a:p>
+          <a:p>
+            <a:pPr marL="0" indent="0">
+              <a:buNone/>
+            </a:pPr>
+            <a:endParaRPr lang="en-US" dirty="0"/>
+          </a:p>
+          <a:p>
+            <a:pPr marL="0" indent="0">
+              <a:buNone/>
+            </a:pPr>
+            <a:r>
+              <a:rPr lang="en-US" b="1" dirty="0"/>
+              <a:t>Integration Test</a:t>
+            </a:r>
+          </a:p>
+          <a:p>
+            <a:pPr marL="0" indent="0">
+              <a:buNone/>
+            </a:pPr>
+            <a:r>
+              <a:rPr lang="en-US" dirty="0"/>
+              <a:t>Does not have full control of the code under test and uses real dependencies </a:t>
+            </a:r>
+          </a:p>
+          <a:p>
+            <a:pPr marL="0" indent="0">
+              <a:buNone/>
+            </a:pPr>
+            <a:endParaRPr lang="en-US" dirty="0"/>
+          </a:p>
+          <a:p>
+            <a:pPr marL="0" indent="0">
+              <a:buNone/>
+            </a:pPr>
+            <a:r>
+              <a:rPr lang="en-US" dirty="0"/>
+              <a:t>Both are important, but must be independent.</a:t>
             </a:r>
           </a:p>
         </p:txBody>
@@ -3280,7 +3295,7 @@
     </p:spTree>
     <p:extLst>
       <p:ext uri="{BB962C8B-B14F-4D97-AF65-F5344CB8AC3E}">
-        <p14:creationId xmlns:p14="http://schemas.microsoft.com/office/powerpoint/2010/main" val="886423439"/>
+        <p14:creationId xmlns:p14="http://schemas.microsoft.com/office/powerpoint/2010/main" val="2016868647"/>
       </p:ext>
     </p:extLst>
   </p:cSld>
@@ -3324,7 +3339,7 @@
           <a:p>
             <a:r>
               <a:rPr lang="en-US" dirty="0"/>
-              <a:t>Summary</a:t>
+              <a:t>Good Unit Tests</a:t>
             </a:r>
           </a:p>
         </p:txBody>
@@ -3341,48 +3356,57 @@
         </p:nvSpPr>
         <p:spPr/>
         <p:txBody>
-          <a:bodyPr/>
-          <a:lstStyle/>
-          <a:p>
-            <a:r>
-              <a:rPr lang="en-US" dirty="0"/>
-              <a:t>Less bugs</a:t>
-            </a:r>
-          </a:p>
-          <a:p>
-            <a:r>
-              <a:rPr lang="en-US" dirty="0"/>
-              <a:t>Ensure the back end is correct without waiting for the front end or using external tool to manually test</a:t>
-            </a:r>
-          </a:p>
-          <a:p>
-            <a:r>
-              <a:rPr lang="en-US" dirty="0"/>
-              <a:t>Refactor code with confidence you didn’t break something</a:t>
-            </a:r>
-          </a:p>
-          <a:p>
-            <a:r>
-              <a:rPr lang="en-US" dirty="0"/>
-              <a:t>Cleaner, more maintainable code</a:t>
-            </a:r>
-          </a:p>
-          <a:p>
-            <a:r>
-              <a:rPr lang="en-US" dirty="0"/>
-              <a:t>Ability to swap concrete implementation</a:t>
-            </a:r>
-          </a:p>
-          <a:p>
-            <a:r>
-              <a:rPr lang="en-US" dirty="0"/>
-              <a:t>Working documentation how to use the unit</a:t>
-            </a:r>
-          </a:p>
-          <a:p>
-            <a:endParaRPr lang="en-US" dirty="0"/>
-          </a:p>
-          <a:p>
+          <a:bodyPr>
+            <a:normAutofit/>
+          </a:bodyPr>
+          <a:lstStyle/>
+          <a:p>
+            <a:r>
+              <a:rPr lang="en-US" dirty="0"/>
+              <a:t>Automated</a:t>
+            </a:r>
+          </a:p>
+          <a:p>
+            <a:r>
+              <a:rPr lang="en-US" dirty="0"/>
+              <a:t>Fast</a:t>
+            </a:r>
+          </a:p>
+          <a:p>
+            <a:r>
+              <a:rPr lang="en-US" dirty="0"/>
+              <a:t>Reliable</a:t>
+            </a:r>
+          </a:p>
+          <a:p>
+            <a:r>
+              <a:rPr lang="en-US" dirty="0"/>
+              <a:t>Consistent</a:t>
+            </a:r>
+          </a:p>
+          <a:p>
+            <a:r>
+              <a:rPr lang="en-US" dirty="0"/>
+              <a:t>Have full control of unit under test</a:t>
+            </a:r>
+          </a:p>
+          <a:p>
+            <a:r>
+              <a:rPr lang="en-US" dirty="0"/>
+              <a:t>Run independently of other tests</a:t>
+            </a:r>
+          </a:p>
+          <a:p>
+            <a:r>
+              <a:rPr lang="en-US" dirty="0"/>
+              <a:t>Don’t change things between runs</a:t>
+            </a:r>
+          </a:p>
+          <a:p>
+            <a:r>
+              <a:rPr lang="en-US" dirty="0"/>
+              <a:t>Can be run by anyone on the team</a:t>
+            </a:r>
             <a:endParaRPr lang="en-US" dirty="0"/>
           </a:p>
         </p:txBody>
@@ -3390,7 +3414,7 @@
     </p:spTree>
     <p:extLst>
       <p:ext uri="{BB962C8B-B14F-4D97-AF65-F5344CB8AC3E}">
-        <p14:creationId xmlns:p14="http://schemas.microsoft.com/office/powerpoint/2010/main" val="3819832438"/>
+        <p14:creationId xmlns:p14="http://schemas.microsoft.com/office/powerpoint/2010/main" val="886423439"/>
       </p:ext>
     </p:extLst>
   </p:cSld>
@@ -3434,7 +3458,7 @@
           <a:p>
             <a:r>
               <a:rPr lang="en-US" dirty="0"/>
-              <a:t>Show and Tell</a:t>
+              <a:t>Good Practices</a:t>
             </a:r>
           </a:p>
         </p:txBody>
@@ -3454,14 +3478,41 @@
           <a:bodyPr/>
           <a:lstStyle/>
           <a:p>
-            <a:endParaRPr lang="en-US"/>
+            <a:r>
+              <a:rPr lang="en-US" dirty="0"/>
+              <a:t>Write unit tests while developing the code (fresh in your mind)</a:t>
+            </a:r>
+          </a:p>
+          <a:p>
+            <a:r>
+              <a:rPr lang="en-US" dirty="0"/>
+              <a:t>Have a team unit test coverage target (70% is common)</a:t>
+            </a:r>
+          </a:p>
+          <a:p>
+            <a:r>
+              <a:rPr lang="en-US" dirty="0"/>
+              <a:t>When a bug is discovered, start by writing a unit test</a:t>
+            </a:r>
+          </a:p>
+          <a:p>
+            <a:r>
+              <a:rPr lang="en-US" dirty="0"/>
+              <a:t>Run unit tests with CI build (so they are maintained)</a:t>
+            </a:r>
+          </a:p>
+          <a:p>
+            <a:r>
+              <a:rPr lang="en-US" dirty="0"/>
+              <a:t>Run integration tests with daily build (to test it all works together)</a:t>
+            </a:r>
           </a:p>
         </p:txBody>
       </p:sp>
     </p:spTree>
     <p:extLst>
       <p:ext uri="{BB962C8B-B14F-4D97-AF65-F5344CB8AC3E}">
-        <p14:creationId xmlns:p14="http://schemas.microsoft.com/office/powerpoint/2010/main" val="1922329151"/>
+        <p14:creationId xmlns:p14="http://schemas.microsoft.com/office/powerpoint/2010/main" val="3243797579"/>
       </p:ext>
     </p:extLst>
   </p:cSld>
@@ -3505,7 +3556,7 @@
           <a:p>
             <a:r>
               <a:rPr lang="en-US" dirty="0"/>
-              <a:t>Discussion</a:t>
+              <a:t>Summary</a:t>
             </a:r>
           </a:p>
         </p:txBody>
@@ -3527,19 +3578,195 @@
           <a:p>
             <a:r>
               <a:rPr lang="en-US" dirty="0"/>
+              <a:t>Less bugs</a:t>
+            </a:r>
+          </a:p>
+          <a:p>
+            <a:r>
+              <a:rPr lang="en-US" dirty="0"/>
+              <a:t>Ensure the back end is correct without waiting for the front end or using external tool to manually test</a:t>
+            </a:r>
+          </a:p>
+          <a:p>
+            <a:r>
+              <a:rPr lang="en-US" dirty="0"/>
+              <a:t>Refactor code with confidence you didn’t break anything</a:t>
+            </a:r>
+          </a:p>
+          <a:p>
+            <a:r>
+              <a:rPr lang="en-US" dirty="0"/>
+              <a:t>Cleaner, more maintainable code</a:t>
+            </a:r>
+          </a:p>
+          <a:p>
+            <a:r>
+              <a:rPr lang="en-US" dirty="0"/>
+              <a:t>Ability to swap concrete implementation</a:t>
+            </a:r>
+          </a:p>
+          <a:p>
+            <a:r>
+              <a:rPr lang="en-US" dirty="0"/>
+              <a:t>Working documentation how to use your code</a:t>
+            </a:r>
+          </a:p>
+          <a:p>
+            <a:endParaRPr lang="en-US" dirty="0"/>
+          </a:p>
+          <a:p>
+            <a:endParaRPr lang="en-US" dirty="0"/>
+          </a:p>
+        </p:txBody>
+      </p:sp>
+    </p:spTree>
+    <p:extLst>
+      <p:ext uri="{BB962C8B-B14F-4D97-AF65-F5344CB8AC3E}">
+        <p14:creationId xmlns:p14="http://schemas.microsoft.com/office/powerpoint/2010/main" val="3819832438"/>
+      </p:ext>
+    </p:extLst>
+  </p:cSld>
+  <p:clrMapOvr>
+    <a:masterClrMapping/>
+  </p:clrMapOvr>
+</p:sld>
+</file>
+
+<file path=ppt/slides/slide15.xml><?xml version="1.0" encoding="utf-8"?>
+<p:sld xmlns:a="http://schemas.openxmlformats.org/drawingml/2006/main" xmlns:r="http://schemas.openxmlformats.org/officeDocument/2006/relationships" xmlns:p="http://schemas.openxmlformats.org/presentationml/2006/main">
+  <p:cSld>
+    <p:spTree>
+      <p:nvGrpSpPr>
+        <p:cNvPr id="1" name=""/>
+        <p:cNvGrpSpPr/>
+        <p:nvPr/>
+      </p:nvGrpSpPr>
+      <p:grpSpPr>
+        <a:xfrm>
+          <a:off x="0" y="0"/>
+          <a:ext cx="0" cy="0"/>
+          <a:chOff x="0" y="0"/>
+          <a:chExt cx="0" cy="0"/>
+        </a:xfrm>
+      </p:grpSpPr>
+      <p:sp>
+        <p:nvSpPr>
+          <p:cNvPr id="2" name="Title 1"/>
+          <p:cNvSpPr>
+            <a:spLocks noGrp="1"/>
+          </p:cNvSpPr>
+          <p:nvPr>
+            <p:ph type="title"/>
+          </p:nvPr>
+        </p:nvSpPr>
+        <p:spPr/>
+        <p:txBody>
+          <a:bodyPr/>
+          <a:lstStyle/>
+          <a:p>
+            <a:r>
+              <a:rPr lang="en-US" dirty="0"/>
+              <a:t>Show and Tell</a:t>
+            </a:r>
+          </a:p>
+        </p:txBody>
+      </p:sp>
+      <p:sp>
+        <p:nvSpPr>
+          <p:cNvPr id="3" name="Content Placeholder 2"/>
+          <p:cNvSpPr>
+            <a:spLocks noGrp="1"/>
+          </p:cNvSpPr>
+          <p:nvPr>
+            <p:ph idx="1"/>
+          </p:nvPr>
+        </p:nvSpPr>
+        <p:spPr/>
+        <p:txBody>
+          <a:bodyPr/>
+          <a:lstStyle/>
+          <a:p>
+            <a:endParaRPr lang="en-US"/>
+          </a:p>
+        </p:txBody>
+      </p:sp>
+    </p:spTree>
+    <p:extLst>
+      <p:ext uri="{BB962C8B-B14F-4D97-AF65-F5344CB8AC3E}">
+        <p14:creationId xmlns:p14="http://schemas.microsoft.com/office/powerpoint/2010/main" val="1922329151"/>
+      </p:ext>
+    </p:extLst>
+  </p:cSld>
+  <p:clrMapOvr>
+    <a:masterClrMapping/>
+  </p:clrMapOvr>
+</p:sld>
+</file>
+
+<file path=ppt/slides/slide16.xml><?xml version="1.0" encoding="utf-8"?>
+<p:sld xmlns:a="http://schemas.openxmlformats.org/drawingml/2006/main" xmlns:r="http://schemas.openxmlformats.org/officeDocument/2006/relationships" xmlns:p="http://schemas.openxmlformats.org/presentationml/2006/main">
+  <p:cSld>
+    <p:spTree>
+      <p:nvGrpSpPr>
+        <p:cNvPr id="1" name=""/>
+        <p:cNvGrpSpPr/>
+        <p:nvPr/>
+      </p:nvGrpSpPr>
+      <p:grpSpPr>
+        <a:xfrm>
+          <a:off x="0" y="0"/>
+          <a:ext cx="0" cy="0"/>
+          <a:chOff x="0" y="0"/>
+          <a:chExt cx="0" cy="0"/>
+        </a:xfrm>
+      </p:grpSpPr>
+      <p:sp>
+        <p:nvSpPr>
+          <p:cNvPr id="2" name="Title 1"/>
+          <p:cNvSpPr>
+            <a:spLocks noGrp="1"/>
+          </p:cNvSpPr>
+          <p:nvPr>
+            <p:ph type="title"/>
+          </p:nvPr>
+        </p:nvSpPr>
+        <p:spPr/>
+        <p:txBody>
+          <a:bodyPr/>
+          <a:lstStyle/>
+          <a:p>
+            <a:r>
+              <a:rPr lang="en-US" dirty="0"/>
+              <a:t>Questions and Discussion</a:t>
+            </a:r>
+          </a:p>
+        </p:txBody>
+      </p:sp>
+      <p:sp>
+        <p:nvSpPr>
+          <p:cNvPr id="3" name="Content Placeholder 2"/>
+          <p:cNvSpPr>
+            <a:spLocks noGrp="1"/>
+          </p:cNvSpPr>
+          <p:nvPr>
+            <p:ph idx="1"/>
+          </p:nvPr>
+        </p:nvSpPr>
+        <p:spPr/>
+        <p:txBody>
+          <a:bodyPr/>
+          <a:lstStyle/>
+          <a:p>
+            <a:r>
+              <a:rPr lang="en-US" dirty="0"/>
               <a:t>Apply these concepts to new development</a:t>
             </a:r>
           </a:p>
           <a:p>
             <a:r>
               <a:rPr lang="en-US" dirty="0"/>
-              <a:t>Refactor existing code </a:t>
-            </a:r>
-            <a:r>
-              <a:rPr lang="en-US"/>
-              <a:t>over time</a:t>
-            </a:r>
-            <a:endParaRPr lang="en-US" dirty="0"/>
+              <a:t>Refactor existing code over time</a:t>
+            </a:r>
           </a:p>
         </p:txBody>
       </p:sp>
@@ -3931,7 +4158,7 @@
           <a:p>
             <a:r>
               <a:rPr lang="en-US" dirty="0"/>
-              <a:t>They wrote an automated test, but it is slow and unreliable; the test also accidentally sent out emails one time</a:t>
+              <a:t>They wrote an automated test, but it is slow and unreliable; the test also accidentally sent out an email and charged a real credit card</a:t>
             </a:r>
           </a:p>
           <a:p>
@@ -4116,7 +4343,7 @@
           <a:p>
             <a:r>
               <a:rPr lang="en-US" dirty="0"/>
-              <a:t>Plan to Improve the Code</a:t>
+              <a:t>Sprint 1 Tests</a:t>
             </a:r>
           </a:p>
         </p:txBody>
@@ -4131,101 +4358,63 @@
             <p:ph idx="1"/>
           </p:nvPr>
         </p:nvSpPr>
-        <p:spPr/>
-        <p:txBody>
-          <a:bodyPr>
-            <a:normAutofit lnSpcReduction="10000"/>
-          </a:bodyPr>
-          <a:lstStyle/>
-          <a:p>
-            <a:pPr marL="514350" indent="-514350">
-              <a:buFont typeface="+mj-lt"/>
-              <a:buAutoNum type="arabicPeriod"/>
-            </a:pPr>
-            <a:r>
-              <a:rPr lang="en-US" b="1" dirty="0"/>
-              <a:t>Design for Testability</a:t>
-            </a:r>
-            <a:r>
-              <a:rPr lang="en-US" dirty="0"/>
-              <a:t>.  Design classes to depend on interfaces rather than concrete implementations, e.g. </a:t>
-            </a:r>
-            <a:r>
-              <a:rPr lang="en-US" dirty="0" err="1"/>
-              <a:t>IPaymentService</a:t>
-            </a:r>
-            <a:r>
-              <a:rPr lang="en-US" dirty="0"/>
-              <a:t>, </a:t>
-            </a:r>
-            <a:r>
-              <a:rPr lang="en-US" dirty="0" err="1"/>
-              <a:t>ILoggingService</a:t>
-            </a:r>
-            <a:r>
-              <a:rPr lang="en-US" dirty="0"/>
-              <a:t>.  Single Responsibility Principle helps</a:t>
-            </a:r>
-          </a:p>
-          <a:p>
-            <a:pPr marL="514350" indent="-514350">
-              <a:buFont typeface="+mj-lt"/>
-              <a:buAutoNum type="arabicPeriod"/>
-            </a:pPr>
-            <a:r>
-              <a:rPr lang="en-US" b="1" dirty="0"/>
-              <a:t>Inject Dependencies. </a:t>
-            </a:r>
-            <a:r>
-              <a:rPr lang="en-US" dirty="0"/>
-              <a:t>Do not “new up” or create static dependencies in classes. Dependencies instead get “injected” by passing them into a class constructor, property or method</a:t>
-            </a:r>
-          </a:p>
-          <a:p>
-            <a:pPr marL="514350" indent="-514350">
-              <a:buFont typeface="+mj-lt"/>
-              <a:buAutoNum type="arabicPeriod"/>
-            </a:pPr>
-            <a:r>
-              <a:rPr lang="en-US" b="1" dirty="0"/>
-              <a:t>Dependency Injection Containers</a:t>
-            </a:r>
-            <a:r>
-              <a:rPr lang="en-US" dirty="0"/>
-              <a:t>.  Eases the pain of creating all the dependencies by injecting them for you</a:t>
-            </a:r>
-          </a:p>
-          <a:p>
-            <a:pPr marL="514350" indent="-514350">
-              <a:buFont typeface="+mj-lt"/>
-              <a:buAutoNum type="arabicPeriod"/>
-            </a:pPr>
-            <a:r>
-              <a:rPr lang="en-US" b="1" dirty="0"/>
-              <a:t>Isolate Dependencies in Unit Tests</a:t>
-            </a:r>
-            <a:r>
-              <a:rPr lang="en-US" dirty="0"/>
-              <a:t>. Only test the unit of work (e.g. </a:t>
-            </a:r>
-            <a:r>
-              <a:rPr lang="en-US" dirty="0" err="1"/>
-              <a:t>PizzaOrderService</a:t>
-            </a:r>
-            <a:r>
-              <a:rPr lang="en-US" dirty="0"/>
-              <a:t>), not it’s dependencies. This can be done with fakes and/or mocks</a:t>
-            </a:r>
-          </a:p>
-          <a:p>
-            <a:endParaRPr lang="en-US" dirty="0"/>
-          </a:p>
-        </p:txBody>
-      </p:sp>
+        <p:spPr>
+          <a:xfrm>
+            <a:off x="6761747" y="1825625"/>
+            <a:ext cx="4592053" cy="4351338"/>
+          </a:xfrm>
+        </p:spPr>
+        <p:txBody>
+          <a:bodyPr/>
+          <a:lstStyle/>
+          <a:p>
+            <a:r>
+              <a:rPr lang="en-US" dirty="0"/>
+              <a:t>Tests are too slow (5 seconds for 1 test) will compound over time</a:t>
+            </a:r>
+          </a:p>
+          <a:p>
+            <a:r>
+              <a:rPr lang="en-US" dirty="0"/>
+              <a:t>No control over dependencies</a:t>
+            </a:r>
+          </a:p>
+          <a:p>
+            <a:r>
+              <a:rPr lang="en-US" dirty="0"/>
+              <a:t>Randomly fail</a:t>
+            </a:r>
+          </a:p>
+        </p:txBody>
+      </p:sp>
+      <p:pic>
+        <p:nvPicPr>
+          <p:cNvPr id="4" name="Picture 3"/>
+          <p:cNvPicPr>
+            <a:picLocks noChangeAspect="1"/>
+          </p:cNvPicPr>
+          <p:nvPr/>
+        </p:nvPicPr>
+        <p:blipFill>
+          <a:blip r:embed="rId2"/>
+          <a:stretch>
+            <a:fillRect/>
+          </a:stretch>
+        </p:blipFill>
+        <p:spPr>
+          <a:xfrm>
+            <a:off x="838200" y="1690688"/>
+            <a:ext cx="5293091" cy="2511700"/>
+          </a:xfrm>
+          <a:prstGeom prst="rect">
+            <a:avLst/>
+          </a:prstGeom>
+        </p:spPr>
+      </p:pic>
     </p:spTree>
     <p:extLst>
       <p:ext uri="{BB962C8B-B14F-4D97-AF65-F5344CB8AC3E}">
-        <p14:creationId xmlns:p14="http://schemas.microsoft.com/office/powerpoint/2010/main" val="1320037797"/>
+        <p14:creationId xmlns:p14="http://schemas.microsoft.com/office/powerpoint/2010/main" val="2672155817"/>
       </p:ext>
     </p:extLst>
   </p:cSld>
@@ -4269,6 +4458,159 @@
           <a:p>
             <a:r>
               <a:rPr lang="en-US" dirty="0"/>
+              <a:t>Plan to Improve the Code</a:t>
+            </a:r>
+          </a:p>
+        </p:txBody>
+      </p:sp>
+      <p:sp>
+        <p:nvSpPr>
+          <p:cNvPr id="3" name="Content Placeholder 2"/>
+          <p:cNvSpPr>
+            <a:spLocks noGrp="1"/>
+          </p:cNvSpPr>
+          <p:nvPr>
+            <p:ph idx="1"/>
+          </p:nvPr>
+        </p:nvSpPr>
+        <p:spPr/>
+        <p:txBody>
+          <a:bodyPr>
+            <a:normAutofit lnSpcReduction="10000"/>
+          </a:bodyPr>
+          <a:lstStyle/>
+          <a:p>
+            <a:pPr marL="514350" indent="-514350">
+              <a:buFont typeface="+mj-lt"/>
+              <a:buAutoNum type="arabicPeriod"/>
+            </a:pPr>
+            <a:r>
+              <a:rPr lang="en-US" b="1" dirty="0"/>
+              <a:t>Design for Testability</a:t>
+            </a:r>
+            <a:r>
+              <a:rPr lang="en-US" dirty="0"/>
+              <a:t>.  Design classes to depend on interfaces rather than concrete implementations, e.g. </a:t>
+            </a:r>
+            <a:r>
+              <a:rPr lang="en-US" dirty="0" err="1"/>
+              <a:t>IPaymentService</a:t>
+            </a:r>
+            <a:r>
+              <a:rPr lang="en-US" dirty="0"/>
+              <a:t>, </a:t>
+            </a:r>
+            <a:r>
+              <a:rPr lang="en-US" dirty="0" err="1"/>
+              <a:t>ILoggingService</a:t>
+            </a:r>
+            <a:r>
+              <a:rPr lang="en-US" dirty="0"/>
+              <a:t>.  Single Responsibility Principle helps</a:t>
+            </a:r>
+          </a:p>
+          <a:p>
+            <a:pPr marL="514350" indent="-514350">
+              <a:buFont typeface="+mj-lt"/>
+              <a:buAutoNum type="arabicPeriod"/>
+            </a:pPr>
+            <a:r>
+              <a:rPr lang="en-US" b="1" dirty="0"/>
+              <a:t>Inject Dependencies. </a:t>
+            </a:r>
+            <a:r>
+              <a:rPr lang="en-US" dirty="0"/>
+              <a:t>Do not “new up” or create static dependencies in classes. Dependencies instead get “injected” by passing them into a class constructor, property or method</a:t>
+            </a:r>
+          </a:p>
+          <a:p>
+            <a:pPr marL="514350" indent="-514350">
+              <a:buFont typeface="+mj-lt"/>
+              <a:buAutoNum type="arabicPeriod"/>
+            </a:pPr>
+            <a:r>
+              <a:rPr lang="en-US" b="1" dirty="0"/>
+              <a:t>Dependency Injection Containers</a:t>
+            </a:r>
+            <a:r>
+              <a:rPr lang="en-US" dirty="0"/>
+              <a:t>.  Eases the pain of creating all the dependencies by injecting them for you</a:t>
+            </a:r>
+          </a:p>
+          <a:p>
+            <a:pPr marL="514350" indent="-514350">
+              <a:buFont typeface="+mj-lt"/>
+              <a:buAutoNum type="arabicPeriod"/>
+            </a:pPr>
+            <a:r>
+              <a:rPr lang="en-US" b="1" dirty="0"/>
+              <a:t>Isolate Dependencies in Unit Tests</a:t>
+            </a:r>
+            <a:r>
+              <a:rPr lang="en-US" dirty="0"/>
+              <a:t>. Only test the unit of work (e.g. </a:t>
+            </a:r>
+            <a:r>
+              <a:rPr lang="en-US" dirty="0" err="1"/>
+              <a:t>PizzaOrderService</a:t>
+            </a:r>
+            <a:r>
+              <a:rPr lang="en-US" dirty="0"/>
+              <a:t>), not it’s dependencies. This can be done with fakes and/or mocks</a:t>
+            </a:r>
+          </a:p>
+          <a:p>
+            <a:endParaRPr lang="en-US" dirty="0"/>
+          </a:p>
+        </p:txBody>
+      </p:sp>
+    </p:spTree>
+    <p:extLst>
+      <p:ext uri="{BB962C8B-B14F-4D97-AF65-F5344CB8AC3E}">
+        <p14:creationId xmlns:p14="http://schemas.microsoft.com/office/powerpoint/2010/main" val="1320037797"/>
+      </p:ext>
+    </p:extLst>
+  </p:cSld>
+  <p:clrMapOvr>
+    <a:masterClrMapping/>
+  </p:clrMapOvr>
+</p:sld>
+</file>
+
+<file path=ppt/slides/slide7.xml><?xml version="1.0" encoding="utf-8"?>
+<p:sld xmlns:a="http://schemas.openxmlformats.org/drawingml/2006/main" xmlns:r="http://schemas.openxmlformats.org/officeDocument/2006/relationships" xmlns:p="http://schemas.openxmlformats.org/presentationml/2006/main">
+  <p:cSld>
+    <p:spTree>
+      <p:nvGrpSpPr>
+        <p:cNvPr id="1" name=""/>
+        <p:cNvGrpSpPr/>
+        <p:nvPr/>
+      </p:nvGrpSpPr>
+      <p:grpSpPr>
+        <a:xfrm>
+          <a:off x="0" y="0"/>
+          <a:ext cx="0" cy="0"/>
+          <a:chOff x="0" y="0"/>
+          <a:chExt cx="0" cy="0"/>
+        </a:xfrm>
+      </p:grpSpPr>
+      <p:sp>
+        <p:nvSpPr>
+          <p:cNvPr id="2" name="Title 1"/>
+          <p:cNvSpPr>
+            <a:spLocks noGrp="1"/>
+          </p:cNvSpPr>
+          <p:nvPr>
+            <p:ph type="title"/>
+          </p:nvPr>
+        </p:nvSpPr>
+        <p:spPr/>
+        <p:txBody>
+          <a:bodyPr/>
+          <a:lstStyle/>
+          <a:p>
+            <a:r>
+              <a:rPr lang="en-US" dirty="0"/>
               <a:t>Step 1: Design for Testability</a:t>
             </a:r>
           </a:p>
@@ -4302,7 +4644,7 @@
           <a:p>
             <a:r>
               <a:rPr lang="en-US" dirty="0"/>
-              <a:t>Identify static references</a:t>
+              <a:t>Remove static references</a:t>
             </a:r>
           </a:p>
           <a:p>
@@ -4350,7 +4692,7 @@
 </p:sld>
 </file>
 
-<file path=ppt/slides/slide7.xml><?xml version="1.0" encoding="utf-8"?>
+<file path=ppt/slides/slide8.xml><?xml version="1.0" encoding="utf-8"?>
 <p:sld xmlns:a="http://schemas.openxmlformats.org/drawingml/2006/main" xmlns:r="http://schemas.openxmlformats.org/officeDocument/2006/relationships" xmlns:p="http://schemas.openxmlformats.org/presentationml/2006/main">
   <p:cSld>
     <p:spTree>
@@ -4490,7 +4832,7 @@
 </p:sld>
 </file>
 
-<file path=ppt/slides/slide8.xml><?xml version="1.0" encoding="utf-8"?>
+<file path=ppt/slides/slide9.xml><?xml version="1.0" encoding="utf-8"?>
 <p:sld xmlns:a="http://schemas.openxmlformats.org/drawingml/2006/main" xmlns:r="http://schemas.openxmlformats.org/officeDocument/2006/relationships" xmlns:p="http://schemas.openxmlformats.org/presentationml/2006/main">
   <p:cSld>
     <p:spTree>
@@ -4547,7 +4889,7 @@
         </p:spPr>
         <p:txBody>
           <a:bodyPr>
-            <a:normAutofit fontScale="77500" lnSpcReduction="20000"/>
+            <a:normAutofit fontScale="70000" lnSpcReduction="20000"/>
           </a:bodyPr>
           <a:lstStyle/>
           <a:p>
@@ -4559,13 +4901,13 @@
           <a:p>
             <a:r>
               <a:rPr lang="en-US" dirty="0"/>
-              <a:t>Configure default dependency mappings in a single place at startup</a:t>
-            </a:r>
-          </a:p>
-          <a:p>
-            <a:r>
-              <a:rPr lang="en-US" dirty="0"/>
-              <a:t>Refactor existing code to take dependencies in the constructor</a:t>
+              <a:t>Configure dependency mappings in a single place at startup (code or config file)</a:t>
+            </a:r>
+          </a:p>
+          <a:p>
+            <a:r>
+              <a:rPr lang="en-US" dirty="0"/>
+              <a:t>Refactor existing code to take dependencies in the constructor (or properties/methods)</a:t>
             </a:r>
           </a:p>
         </p:txBody>
@@ -4594,131 +4936,48 @@
           </a:prstGeom>
         </p:spPr>
       </p:pic>
-    </p:spTree>
-    <p:extLst>
-      <p:ext uri="{BB962C8B-B14F-4D97-AF65-F5344CB8AC3E}">
-        <p14:creationId xmlns:p14="http://schemas.microsoft.com/office/powerpoint/2010/main" val="4047946784"/>
-      </p:ext>
-    </p:extLst>
-  </p:cSld>
-  <p:clrMapOvr>
-    <a:masterClrMapping/>
-  </p:clrMapOvr>
-</p:sld>
-</file>
-
-<file path=ppt/slides/slide9.xml><?xml version="1.0" encoding="utf-8"?>
-<p:sld xmlns:a="http://schemas.openxmlformats.org/drawingml/2006/main" xmlns:r="http://schemas.openxmlformats.org/officeDocument/2006/relationships" xmlns:p="http://schemas.openxmlformats.org/presentationml/2006/main">
-  <p:cSld>
-    <p:spTree>
-      <p:nvGrpSpPr>
-        <p:cNvPr id="1" name=""/>
-        <p:cNvGrpSpPr/>
-        <p:nvPr/>
-      </p:nvGrpSpPr>
-      <p:grpSpPr>
-        <a:xfrm>
-          <a:off x="0" y="0"/>
-          <a:ext cx="0" cy="0"/>
-          <a:chOff x="0" y="0"/>
-          <a:chExt cx="0" cy="0"/>
-        </a:xfrm>
-      </p:grpSpPr>
-      <p:sp>
-        <p:nvSpPr>
-          <p:cNvPr id="2" name="Title 1"/>
-          <p:cNvSpPr>
-            <a:spLocks noGrp="1"/>
-          </p:cNvSpPr>
-          <p:nvPr>
-            <p:ph type="title"/>
-          </p:nvPr>
-        </p:nvSpPr>
-        <p:spPr/>
-        <p:txBody>
-          <a:bodyPr/>
-          <a:lstStyle/>
-          <a:p>
-            <a:r>
-              <a:rPr lang="en-US" dirty="0"/>
-              <a:t>Step 4: Isolate Dependencies in Unit Tests</a:t>
-            </a:r>
-          </a:p>
-        </p:txBody>
-      </p:sp>
-      <p:sp>
-        <p:nvSpPr>
-          <p:cNvPr id="3" name="Content Placeholder 2"/>
-          <p:cNvSpPr>
-            <a:spLocks noGrp="1"/>
-          </p:cNvSpPr>
-          <p:nvPr>
-            <p:ph idx="1"/>
-          </p:nvPr>
-        </p:nvSpPr>
-        <p:spPr>
-          <a:xfrm>
-            <a:off x="6645897" y="1690688"/>
-            <a:ext cx="5145169" cy="1531391"/>
-          </a:xfrm>
-        </p:spPr>
-        <p:txBody>
-          <a:bodyPr>
-            <a:normAutofit fontScale="55000" lnSpcReduction="20000"/>
-          </a:bodyPr>
-          <a:lstStyle/>
-          <a:p>
-            <a:r>
-              <a:rPr lang="en-US" dirty="0"/>
-              <a:t>Unit Tests and Integration Test in separate projects</a:t>
-            </a:r>
-          </a:p>
-          <a:p>
-            <a:r>
-              <a:rPr lang="en-US" dirty="0"/>
-              <a:t>Use isolation framework like </a:t>
-            </a:r>
-            <a:r>
-              <a:rPr lang="en-US" dirty="0" err="1"/>
-              <a:t>Moq</a:t>
-            </a:r>
-            <a:r>
-              <a:rPr lang="en-US" dirty="0"/>
-              <a:t> and/or fakes</a:t>
-            </a:r>
-          </a:p>
-          <a:p>
-            <a:r>
-              <a:rPr lang="en-US" dirty="0"/>
-              <a:t>Unit Tests part of CI build to ensure unit tests are maintained</a:t>
-            </a:r>
-          </a:p>
-          <a:p>
-            <a:r>
-              <a:rPr lang="en-US" dirty="0"/>
-              <a:t>Integration Tests part of nightly build because they are still important</a:t>
-            </a:r>
-          </a:p>
-        </p:txBody>
-      </p:sp>
       <p:pic>
         <p:nvPicPr>
-          <p:cNvPr id="5" name="Picture 4"/>
+          <p:cNvPr id="4" name="Picture 3"/>
           <p:cNvPicPr>
             <a:picLocks noChangeAspect="1"/>
           </p:cNvPicPr>
           <p:nvPr/>
         </p:nvPicPr>
         <p:blipFill>
-          <a:blip r:embed="rId2"/>
+          <a:blip r:embed="rId3"/>
           <a:stretch>
             <a:fillRect/>
           </a:stretch>
         </p:blipFill>
         <p:spPr>
           <a:xfrm>
-            <a:off x="838200" y="1690688"/>
-            <a:ext cx="5495041" cy="2882790"/>
+            <a:off x="5876992" y="4996949"/>
+            <a:ext cx="5665589" cy="699001"/>
+          </a:xfrm>
+          <a:prstGeom prst="rect">
+            <a:avLst/>
+          </a:prstGeom>
+        </p:spPr>
+      </p:pic>
+      <p:pic>
+        <p:nvPicPr>
+          <p:cNvPr id="6" name="Picture 5"/>
+          <p:cNvPicPr>
+            <a:picLocks noChangeAspect="1"/>
+          </p:cNvPicPr>
+          <p:nvPr/>
+        </p:nvPicPr>
+        <p:blipFill>
+          <a:blip r:embed="rId4"/>
+          <a:stretch>
+            <a:fillRect/>
+          </a:stretch>
+        </p:blipFill>
+        <p:spPr>
+          <a:xfrm>
+            <a:off x="838200" y="4996949"/>
+            <a:ext cx="4441203" cy="1356093"/>
           </a:xfrm>
           <a:prstGeom prst="rect">
             <a:avLst/>
@@ -4728,7 +4987,7 @@
     </p:spTree>
     <p:extLst>
       <p:ext uri="{BB962C8B-B14F-4D97-AF65-F5344CB8AC3E}">
-        <p14:creationId xmlns:p14="http://schemas.microsoft.com/office/powerpoint/2010/main" val="4261235759"/>
+        <p14:creationId xmlns:p14="http://schemas.microsoft.com/office/powerpoint/2010/main" val="4047946784"/>
       </p:ext>
     </p:extLst>
   </p:cSld>
